--- a/ppt 16-9/0753.与主结伴行.pptx
+++ b/ppt 16-9/0753.与主结伴行.pptx
@@ -5,7 +5,7 @@
     <p:sldMasterId id="2147483648" r:id="rId1"/>
   </p:sldMasterIdLst>
   <p:sldIdLst>
-    <p:sldId id="2001" r:id="rId2"/>
+    <p:sldId id="2003" r:id="rId2"/>
   </p:sldIdLst>
   <p:sldSz cx="12192000" cy="6858000"/>
   <p:notesSz cx="6858000" cy="9144000"/>
@@ -129,7 +129,7 @@
           <p:cNvPr id="2" name="标题 1">
             <a:extLst>
               <a:ext uri="{FF2B5EF4-FFF2-40B4-BE49-F238E27FC236}">
-                <a16:creationId xmlns:a16="http://schemas.microsoft.com/office/drawing/2014/main" id="{6AF9CA61-0224-75E3-63AB-CAEED4BE0BFC}"/>
+                <a16:creationId xmlns:a16="http://schemas.microsoft.com/office/drawing/2014/main" id="{467B945E-5367-BC8E-84B8-33BD97BCE126}"/>
               </a:ext>
             </a:extLst>
           </p:cNvPr>
@@ -166,7 +166,7 @@
           <p:cNvPr id="3" name="副标题 2">
             <a:extLst>
               <a:ext uri="{FF2B5EF4-FFF2-40B4-BE49-F238E27FC236}">
-                <a16:creationId xmlns:a16="http://schemas.microsoft.com/office/drawing/2014/main" id="{ABE13C80-D39F-4373-806E-1163C55956E4}"/>
+                <a16:creationId xmlns:a16="http://schemas.microsoft.com/office/drawing/2014/main" id="{CAADC907-DC54-4269-0E95-56E48E706DFE}"/>
               </a:ext>
             </a:extLst>
           </p:cNvPr>
@@ -236,7 +236,7 @@
           <p:cNvPr id="4" name="日期占位符 3">
             <a:extLst>
               <a:ext uri="{FF2B5EF4-FFF2-40B4-BE49-F238E27FC236}">
-                <a16:creationId xmlns:a16="http://schemas.microsoft.com/office/drawing/2014/main" id="{5051B6BF-6DA1-03C2-4D70-9D8BD97933A7}"/>
+                <a16:creationId xmlns:a16="http://schemas.microsoft.com/office/drawing/2014/main" id="{0F1D7266-CCEB-CCA8-300F-0F8A96D0BB07}"/>
               </a:ext>
             </a:extLst>
           </p:cNvPr>
@@ -252,7 +252,7 @@
           <a:bodyPr/>
           <a:lstStyle/>
           <a:p>
-            <a:fld id="{091381BC-5CFD-4B49-8C76-0705FB572A70}" type="datetimeFigureOut">
+            <a:fld id="{6E532152-A927-4500-94EC-78A1994B5A10}" type="datetimeFigureOut">
               <a:rPr lang="zh-CN" altLang="en-US" smtClean="0"/>
               <a:t>2024/3/10</a:t>
             </a:fld>
@@ -265,7 +265,7 @@
           <p:cNvPr id="5" name="页脚占位符 4">
             <a:extLst>
               <a:ext uri="{FF2B5EF4-FFF2-40B4-BE49-F238E27FC236}">
-                <a16:creationId xmlns:a16="http://schemas.microsoft.com/office/drawing/2014/main" id="{335C84D4-6A8C-A72B-CEBA-CFE56DD77E08}"/>
+                <a16:creationId xmlns:a16="http://schemas.microsoft.com/office/drawing/2014/main" id="{A4202DB8-3271-3949-A47A-E95D6FDB897D}"/>
               </a:ext>
             </a:extLst>
           </p:cNvPr>
@@ -290,7 +290,7 @@
           <p:cNvPr id="6" name="灯片编号占位符 5">
             <a:extLst>
               <a:ext uri="{FF2B5EF4-FFF2-40B4-BE49-F238E27FC236}">
-                <a16:creationId xmlns:a16="http://schemas.microsoft.com/office/drawing/2014/main" id="{3C7E6823-FADA-906E-1B5D-F16523F44638}"/>
+                <a16:creationId xmlns:a16="http://schemas.microsoft.com/office/drawing/2014/main" id="{819BB35D-A67E-4601-AD5D-DD2D158BF8C3}"/>
               </a:ext>
             </a:extLst>
           </p:cNvPr>
@@ -306,7 +306,7 @@
           <a:bodyPr/>
           <a:lstStyle/>
           <a:p>
-            <a:fld id="{3E2FA6A1-84CD-4FAE-8804-426CF3E68238}" type="slidenum">
+            <a:fld id="{D4D3E24F-D339-432F-A425-C471C15F4932}" type="slidenum">
               <a:rPr lang="zh-CN" altLang="en-US" smtClean="0"/>
               <a:t>‹#›</a:t>
             </a:fld>
@@ -317,7 +317,7 @@
     </p:spTree>
     <p:extLst>
       <p:ext uri="{BB962C8B-B14F-4D97-AF65-F5344CB8AC3E}">
-        <p14:creationId xmlns:p14="http://schemas.microsoft.com/office/powerpoint/2010/main" val="201466953"/>
+        <p14:creationId xmlns:p14="http://schemas.microsoft.com/office/powerpoint/2010/main" val="2915757149"/>
       </p:ext>
     </p:extLst>
   </p:cSld>
@@ -349,7 +349,7 @@
           <p:cNvPr id="2" name="标题 1">
             <a:extLst>
               <a:ext uri="{FF2B5EF4-FFF2-40B4-BE49-F238E27FC236}">
-                <a16:creationId xmlns:a16="http://schemas.microsoft.com/office/drawing/2014/main" id="{F619C091-EE2E-3631-8FC0-4829B73DE2AD}"/>
+                <a16:creationId xmlns:a16="http://schemas.microsoft.com/office/drawing/2014/main" id="{F6B8CD95-CF58-F146-3F89-9DCE82AD3BD8}"/>
               </a:ext>
             </a:extLst>
           </p:cNvPr>
@@ -377,7 +377,7 @@
           <p:cNvPr id="3" name="竖排文字占位符 2">
             <a:extLst>
               <a:ext uri="{FF2B5EF4-FFF2-40B4-BE49-F238E27FC236}">
-                <a16:creationId xmlns:a16="http://schemas.microsoft.com/office/drawing/2014/main" id="{9042DC5B-8264-6CC0-A315-876439066046}"/>
+                <a16:creationId xmlns:a16="http://schemas.microsoft.com/office/drawing/2014/main" id="{07973358-6820-20AB-6A78-31AE30E85183}"/>
               </a:ext>
             </a:extLst>
           </p:cNvPr>
@@ -434,7 +434,7 @@
           <p:cNvPr id="4" name="日期占位符 3">
             <a:extLst>
               <a:ext uri="{FF2B5EF4-FFF2-40B4-BE49-F238E27FC236}">
-                <a16:creationId xmlns:a16="http://schemas.microsoft.com/office/drawing/2014/main" id="{8C504B49-DD5D-9172-093C-B0572BE8E4B5}"/>
+                <a16:creationId xmlns:a16="http://schemas.microsoft.com/office/drawing/2014/main" id="{14C50493-9BF4-F60C-4B5A-1A3570BBFF2D}"/>
               </a:ext>
             </a:extLst>
           </p:cNvPr>
@@ -450,7 +450,7 @@
           <a:bodyPr/>
           <a:lstStyle/>
           <a:p>
-            <a:fld id="{091381BC-5CFD-4B49-8C76-0705FB572A70}" type="datetimeFigureOut">
+            <a:fld id="{6E532152-A927-4500-94EC-78A1994B5A10}" type="datetimeFigureOut">
               <a:rPr lang="zh-CN" altLang="en-US" smtClean="0"/>
               <a:t>2024/3/10</a:t>
             </a:fld>
@@ -463,7 +463,7 @@
           <p:cNvPr id="5" name="页脚占位符 4">
             <a:extLst>
               <a:ext uri="{FF2B5EF4-FFF2-40B4-BE49-F238E27FC236}">
-                <a16:creationId xmlns:a16="http://schemas.microsoft.com/office/drawing/2014/main" id="{35A58452-4382-D511-1272-F4CAA8C6F21B}"/>
+                <a16:creationId xmlns:a16="http://schemas.microsoft.com/office/drawing/2014/main" id="{15892636-0FB1-55E7-A253-1FD370E1DE6C}"/>
               </a:ext>
             </a:extLst>
           </p:cNvPr>
@@ -488,7 +488,7 @@
           <p:cNvPr id="6" name="灯片编号占位符 5">
             <a:extLst>
               <a:ext uri="{FF2B5EF4-FFF2-40B4-BE49-F238E27FC236}">
-                <a16:creationId xmlns:a16="http://schemas.microsoft.com/office/drawing/2014/main" id="{3B0CB3C4-661E-ACF1-CBA8-05F30374BBE1}"/>
+                <a16:creationId xmlns:a16="http://schemas.microsoft.com/office/drawing/2014/main" id="{294814CE-B381-FDBA-64DC-6F035C104570}"/>
               </a:ext>
             </a:extLst>
           </p:cNvPr>
@@ -504,7 +504,7 @@
           <a:bodyPr/>
           <a:lstStyle/>
           <a:p>
-            <a:fld id="{3E2FA6A1-84CD-4FAE-8804-426CF3E68238}" type="slidenum">
+            <a:fld id="{D4D3E24F-D339-432F-A425-C471C15F4932}" type="slidenum">
               <a:rPr lang="zh-CN" altLang="en-US" smtClean="0"/>
               <a:t>‹#›</a:t>
             </a:fld>
@@ -515,7 +515,7 @@
     </p:spTree>
     <p:extLst>
       <p:ext uri="{BB962C8B-B14F-4D97-AF65-F5344CB8AC3E}">
-        <p14:creationId xmlns:p14="http://schemas.microsoft.com/office/powerpoint/2010/main" val="29666560"/>
+        <p14:creationId xmlns:p14="http://schemas.microsoft.com/office/powerpoint/2010/main" val="3266662359"/>
       </p:ext>
     </p:extLst>
   </p:cSld>
@@ -547,7 +547,7 @@
           <p:cNvPr id="2" name="竖排标题 1">
             <a:extLst>
               <a:ext uri="{FF2B5EF4-FFF2-40B4-BE49-F238E27FC236}">
-                <a16:creationId xmlns:a16="http://schemas.microsoft.com/office/drawing/2014/main" id="{31CC2EFA-1B5E-C38B-43BB-BF5EEA925FC5}"/>
+                <a16:creationId xmlns:a16="http://schemas.microsoft.com/office/drawing/2014/main" id="{1AA9B5A5-4C60-419B-56E7-4552898F5875}"/>
               </a:ext>
             </a:extLst>
           </p:cNvPr>
@@ -580,7 +580,7 @@
           <p:cNvPr id="3" name="竖排文字占位符 2">
             <a:extLst>
               <a:ext uri="{FF2B5EF4-FFF2-40B4-BE49-F238E27FC236}">
-                <a16:creationId xmlns:a16="http://schemas.microsoft.com/office/drawing/2014/main" id="{95DD1A81-AE6C-C286-0DCF-6B26DD74C729}"/>
+                <a16:creationId xmlns:a16="http://schemas.microsoft.com/office/drawing/2014/main" id="{55E35198-CF91-5550-831C-91C9AB37EE58}"/>
               </a:ext>
             </a:extLst>
           </p:cNvPr>
@@ -642,7 +642,7 @@
           <p:cNvPr id="4" name="日期占位符 3">
             <a:extLst>
               <a:ext uri="{FF2B5EF4-FFF2-40B4-BE49-F238E27FC236}">
-                <a16:creationId xmlns:a16="http://schemas.microsoft.com/office/drawing/2014/main" id="{F62411F8-6479-129E-2CFC-EE8406656D2D}"/>
+                <a16:creationId xmlns:a16="http://schemas.microsoft.com/office/drawing/2014/main" id="{D9649A5E-6CA9-2535-C616-FB7C58D5A678}"/>
               </a:ext>
             </a:extLst>
           </p:cNvPr>
@@ -658,7 +658,7 @@
           <a:bodyPr/>
           <a:lstStyle/>
           <a:p>
-            <a:fld id="{091381BC-5CFD-4B49-8C76-0705FB572A70}" type="datetimeFigureOut">
+            <a:fld id="{6E532152-A927-4500-94EC-78A1994B5A10}" type="datetimeFigureOut">
               <a:rPr lang="zh-CN" altLang="en-US" smtClean="0"/>
               <a:t>2024/3/10</a:t>
             </a:fld>
@@ -671,7 +671,7 @@
           <p:cNvPr id="5" name="页脚占位符 4">
             <a:extLst>
               <a:ext uri="{FF2B5EF4-FFF2-40B4-BE49-F238E27FC236}">
-                <a16:creationId xmlns:a16="http://schemas.microsoft.com/office/drawing/2014/main" id="{78869F68-145C-69A7-ECAB-98983B9070C7}"/>
+                <a16:creationId xmlns:a16="http://schemas.microsoft.com/office/drawing/2014/main" id="{8AF9877C-DAD4-89FA-3048-B6B2BDCDE5AD}"/>
               </a:ext>
             </a:extLst>
           </p:cNvPr>
@@ -696,7 +696,7 @@
           <p:cNvPr id="6" name="灯片编号占位符 5">
             <a:extLst>
               <a:ext uri="{FF2B5EF4-FFF2-40B4-BE49-F238E27FC236}">
-                <a16:creationId xmlns:a16="http://schemas.microsoft.com/office/drawing/2014/main" id="{EA984353-C9CE-4C8E-8455-C41D6FC52EA2}"/>
+                <a16:creationId xmlns:a16="http://schemas.microsoft.com/office/drawing/2014/main" id="{F0E36B36-D4DF-D96F-B74D-AD0E6EB8E5C7}"/>
               </a:ext>
             </a:extLst>
           </p:cNvPr>
@@ -712,7 +712,7 @@
           <a:bodyPr/>
           <a:lstStyle/>
           <a:p>
-            <a:fld id="{3E2FA6A1-84CD-4FAE-8804-426CF3E68238}" type="slidenum">
+            <a:fld id="{D4D3E24F-D339-432F-A425-C471C15F4932}" type="slidenum">
               <a:rPr lang="zh-CN" altLang="en-US" smtClean="0"/>
               <a:t>‹#›</a:t>
             </a:fld>
@@ -723,7 +723,7 @@
     </p:spTree>
     <p:extLst>
       <p:ext uri="{BB962C8B-B14F-4D97-AF65-F5344CB8AC3E}">
-        <p14:creationId xmlns:p14="http://schemas.microsoft.com/office/powerpoint/2010/main" val="3630106296"/>
+        <p14:creationId xmlns:p14="http://schemas.microsoft.com/office/powerpoint/2010/main" val="3386368459"/>
       </p:ext>
     </p:extLst>
   </p:cSld>
@@ -755,7 +755,7 @@
           <p:cNvPr id="2" name="标题 1">
             <a:extLst>
               <a:ext uri="{FF2B5EF4-FFF2-40B4-BE49-F238E27FC236}">
-                <a16:creationId xmlns:a16="http://schemas.microsoft.com/office/drawing/2014/main" id="{B4C2469B-46C2-F2C0-507D-261D1F30E4B1}"/>
+                <a16:creationId xmlns:a16="http://schemas.microsoft.com/office/drawing/2014/main" id="{CC2206D0-BC20-2D81-C83A-37211B2D6EE7}"/>
               </a:ext>
             </a:extLst>
           </p:cNvPr>
@@ -783,7 +783,7 @@
           <p:cNvPr id="3" name="内容占位符 2">
             <a:extLst>
               <a:ext uri="{FF2B5EF4-FFF2-40B4-BE49-F238E27FC236}">
-                <a16:creationId xmlns:a16="http://schemas.microsoft.com/office/drawing/2014/main" id="{2FCFB4BB-AE06-1107-4890-C62C8C4D3BAD}"/>
+                <a16:creationId xmlns:a16="http://schemas.microsoft.com/office/drawing/2014/main" id="{2704E16B-D461-CB6A-6D6C-57EBD810BE7F}"/>
               </a:ext>
             </a:extLst>
           </p:cNvPr>
@@ -840,7 +840,7 @@
           <p:cNvPr id="4" name="日期占位符 3">
             <a:extLst>
               <a:ext uri="{FF2B5EF4-FFF2-40B4-BE49-F238E27FC236}">
-                <a16:creationId xmlns:a16="http://schemas.microsoft.com/office/drawing/2014/main" id="{DF861166-2FE8-E124-ABB1-057C7C7EF7AB}"/>
+                <a16:creationId xmlns:a16="http://schemas.microsoft.com/office/drawing/2014/main" id="{FCD2094A-8103-D4FE-7ED5-242DC6BE5B7B}"/>
               </a:ext>
             </a:extLst>
           </p:cNvPr>
@@ -856,7 +856,7 @@
           <a:bodyPr/>
           <a:lstStyle/>
           <a:p>
-            <a:fld id="{091381BC-5CFD-4B49-8C76-0705FB572A70}" type="datetimeFigureOut">
+            <a:fld id="{6E532152-A927-4500-94EC-78A1994B5A10}" type="datetimeFigureOut">
               <a:rPr lang="zh-CN" altLang="en-US" smtClean="0"/>
               <a:t>2024/3/10</a:t>
             </a:fld>
@@ -869,7 +869,7 @@
           <p:cNvPr id="5" name="页脚占位符 4">
             <a:extLst>
               <a:ext uri="{FF2B5EF4-FFF2-40B4-BE49-F238E27FC236}">
-                <a16:creationId xmlns:a16="http://schemas.microsoft.com/office/drawing/2014/main" id="{C2C9C618-27D0-9624-99EC-9E438820FF97}"/>
+                <a16:creationId xmlns:a16="http://schemas.microsoft.com/office/drawing/2014/main" id="{3A7A502E-5935-859D-FB5C-50887D155CE3}"/>
               </a:ext>
             </a:extLst>
           </p:cNvPr>
@@ -894,7 +894,7 @@
           <p:cNvPr id="6" name="灯片编号占位符 5">
             <a:extLst>
               <a:ext uri="{FF2B5EF4-FFF2-40B4-BE49-F238E27FC236}">
-                <a16:creationId xmlns:a16="http://schemas.microsoft.com/office/drawing/2014/main" id="{21BD5214-F53D-D43A-89ED-E129B5D98C67}"/>
+                <a16:creationId xmlns:a16="http://schemas.microsoft.com/office/drawing/2014/main" id="{A7946459-6608-D78C-376B-4A082359BD73}"/>
               </a:ext>
             </a:extLst>
           </p:cNvPr>
@@ -910,7 +910,7 @@
           <a:bodyPr/>
           <a:lstStyle/>
           <a:p>
-            <a:fld id="{3E2FA6A1-84CD-4FAE-8804-426CF3E68238}" type="slidenum">
+            <a:fld id="{D4D3E24F-D339-432F-A425-C471C15F4932}" type="slidenum">
               <a:rPr lang="zh-CN" altLang="en-US" smtClean="0"/>
               <a:t>‹#›</a:t>
             </a:fld>
@@ -921,7 +921,7 @@
     </p:spTree>
     <p:extLst>
       <p:ext uri="{BB962C8B-B14F-4D97-AF65-F5344CB8AC3E}">
-        <p14:creationId xmlns:p14="http://schemas.microsoft.com/office/powerpoint/2010/main" val="2802635964"/>
+        <p14:creationId xmlns:p14="http://schemas.microsoft.com/office/powerpoint/2010/main" val="3736400994"/>
       </p:ext>
     </p:extLst>
   </p:cSld>
@@ -953,7 +953,7 @@
           <p:cNvPr id="2" name="标题 1">
             <a:extLst>
               <a:ext uri="{FF2B5EF4-FFF2-40B4-BE49-F238E27FC236}">
-                <a16:creationId xmlns:a16="http://schemas.microsoft.com/office/drawing/2014/main" id="{CD458202-E01D-4889-E48C-74DC56192CB4}"/>
+                <a16:creationId xmlns:a16="http://schemas.microsoft.com/office/drawing/2014/main" id="{F7B31A55-6F4B-C491-C1E2-7A7A6BBE06D8}"/>
               </a:ext>
             </a:extLst>
           </p:cNvPr>
@@ -990,7 +990,7 @@
           <p:cNvPr id="3" name="文本占位符 2">
             <a:extLst>
               <a:ext uri="{FF2B5EF4-FFF2-40B4-BE49-F238E27FC236}">
-                <a16:creationId xmlns:a16="http://schemas.microsoft.com/office/drawing/2014/main" id="{6444BCF7-DC9C-84E1-9B96-8B6F6FB02930}"/>
+                <a16:creationId xmlns:a16="http://schemas.microsoft.com/office/drawing/2014/main" id="{9D869255-A58D-9F3C-441D-EA57C1F80088}"/>
               </a:ext>
             </a:extLst>
           </p:cNvPr>
@@ -1115,7 +1115,7 @@
           <p:cNvPr id="4" name="日期占位符 3">
             <a:extLst>
               <a:ext uri="{FF2B5EF4-FFF2-40B4-BE49-F238E27FC236}">
-                <a16:creationId xmlns:a16="http://schemas.microsoft.com/office/drawing/2014/main" id="{6DDC8F0C-F847-325A-D53D-77904DB264E1}"/>
+                <a16:creationId xmlns:a16="http://schemas.microsoft.com/office/drawing/2014/main" id="{FE6B47F6-1DC5-E4E2-2960-8A3480E8B293}"/>
               </a:ext>
             </a:extLst>
           </p:cNvPr>
@@ -1131,7 +1131,7 @@
           <a:bodyPr/>
           <a:lstStyle/>
           <a:p>
-            <a:fld id="{091381BC-5CFD-4B49-8C76-0705FB572A70}" type="datetimeFigureOut">
+            <a:fld id="{6E532152-A927-4500-94EC-78A1994B5A10}" type="datetimeFigureOut">
               <a:rPr lang="zh-CN" altLang="en-US" smtClean="0"/>
               <a:t>2024/3/10</a:t>
             </a:fld>
@@ -1144,7 +1144,7 @@
           <p:cNvPr id="5" name="页脚占位符 4">
             <a:extLst>
               <a:ext uri="{FF2B5EF4-FFF2-40B4-BE49-F238E27FC236}">
-                <a16:creationId xmlns:a16="http://schemas.microsoft.com/office/drawing/2014/main" id="{81FB5A35-4771-D34D-04FC-0539C6375458}"/>
+                <a16:creationId xmlns:a16="http://schemas.microsoft.com/office/drawing/2014/main" id="{995623C6-A89E-257E-C852-63680B431A14}"/>
               </a:ext>
             </a:extLst>
           </p:cNvPr>
@@ -1169,7 +1169,7 @@
           <p:cNvPr id="6" name="灯片编号占位符 5">
             <a:extLst>
               <a:ext uri="{FF2B5EF4-FFF2-40B4-BE49-F238E27FC236}">
-                <a16:creationId xmlns:a16="http://schemas.microsoft.com/office/drawing/2014/main" id="{7A75B2DA-7D73-9143-3458-50DBE45D2F64}"/>
+                <a16:creationId xmlns:a16="http://schemas.microsoft.com/office/drawing/2014/main" id="{2DCEE8D0-AC3B-C955-9041-13B31A94957E}"/>
               </a:ext>
             </a:extLst>
           </p:cNvPr>
@@ -1185,7 +1185,7 @@
           <a:bodyPr/>
           <a:lstStyle/>
           <a:p>
-            <a:fld id="{3E2FA6A1-84CD-4FAE-8804-426CF3E68238}" type="slidenum">
+            <a:fld id="{D4D3E24F-D339-432F-A425-C471C15F4932}" type="slidenum">
               <a:rPr lang="zh-CN" altLang="en-US" smtClean="0"/>
               <a:t>‹#›</a:t>
             </a:fld>
@@ -1196,7 +1196,7 @@
     </p:spTree>
     <p:extLst>
       <p:ext uri="{BB962C8B-B14F-4D97-AF65-F5344CB8AC3E}">
-        <p14:creationId xmlns:p14="http://schemas.microsoft.com/office/powerpoint/2010/main" val="4049781760"/>
+        <p14:creationId xmlns:p14="http://schemas.microsoft.com/office/powerpoint/2010/main" val="4192511199"/>
       </p:ext>
     </p:extLst>
   </p:cSld>
@@ -1228,7 +1228,7 @@
           <p:cNvPr id="2" name="标题 1">
             <a:extLst>
               <a:ext uri="{FF2B5EF4-FFF2-40B4-BE49-F238E27FC236}">
-                <a16:creationId xmlns:a16="http://schemas.microsoft.com/office/drawing/2014/main" id="{F6853185-9A2F-2909-DE27-F0D9DFA060F6}"/>
+                <a16:creationId xmlns:a16="http://schemas.microsoft.com/office/drawing/2014/main" id="{C1166480-62CC-BC58-4C59-D28F7A746E12}"/>
               </a:ext>
             </a:extLst>
           </p:cNvPr>
@@ -1256,7 +1256,7 @@
           <p:cNvPr id="3" name="内容占位符 2">
             <a:extLst>
               <a:ext uri="{FF2B5EF4-FFF2-40B4-BE49-F238E27FC236}">
-                <a16:creationId xmlns:a16="http://schemas.microsoft.com/office/drawing/2014/main" id="{78CE5312-74FC-089B-0D3C-D5A053DB7198}"/>
+                <a16:creationId xmlns:a16="http://schemas.microsoft.com/office/drawing/2014/main" id="{FCE4860E-DD17-A51F-B207-6AD8545F1DA4}"/>
               </a:ext>
             </a:extLst>
           </p:cNvPr>
@@ -1318,7 +1318,7 @@
           <p:cNvPr id="4" name="内容占位符 3">
             <a:extLst>
               <a:ext uri="{FF2B5EF4-FFF2-40B4-BE49-F238E27FC236}">
-                <a16:creationId xmlns:a16="http://schemas.microsoft.com/office/drawing/2014/main" id="{1FBA9516-7283-2AAE-9C0B-1CA90F134944}"/>
+                <a16:creationId xmlns:a16="http://schemas.microsoft.com/office/drawing/2014/main" id="{17B88A00-847C-BA37-8C6D-AB3F247BD948}"/>
               </a:ext>
             </a:extLst>
           </p:cNvPr>
@@ -1380,7 +1380,7 @@
           <p:cNvPr id="5" name="日期占位符 4">
             <a:extLst>
               <a:ext uri="{FF2B5EF4-FFF2-40B4-BE49-F238E27FC236}">
-                <a16:creationId xmlns:a16="http://schemas.microsoft.com/office/drawing/2014/main" id="{255E7A8A-BC68-82ED-3C66-69DDB5A8991E}"/>
+                <a16:creationId xmlns:a16="http://schemas.microsoft.com/office/drawing/2014/main" id="{B5463A60-7DA9-F9B8-6FF6-D26DE4441570}"/>
               </a:ext>
             </a:extLst>
           </p:cNvPr>
@@ -1396,7 +1396,7 @@
           <a:bodyPr/>
           <a:lstStyle/>
           <a:p>
-            <a:fld id="{091381BC-5CFD-4B49-8C76-0705FB572A70}" type="datetimeFigureOut">
+            <a:fld id="{6E532152-A927-4500-94EC-78A1994B5A10}" type="datetimeFigureOut">
               <a:rPr lang="zh-CN" altLang="en-US" smtClean="0"/>
               <a:t>2024/3/10</a:t>
             </a:fld>
@@ -1409,7 +1409,7 @@
           <p:cNvPr id="6" name="页脚占位符 5">
             <a:extLst>
               <a:ext uri="{FF2B5EF4-FFF2-40B4-BE49-F238E27FC236}">
-                <a16:creationId xmlns:a16="http://schemas.microsoft.com/office/drawing/2014/main" id="{4BD77980-A151-EFAD-45EB-87B1B1ADCE5B}"/>
+                <a16:creationId xmlns:a16="http://schemas.microsoft.com/office/drawing/2014/main" id="{4F980FEA-8CBC-724A-A814-B3BF48C2A7A6}"/>
               </a:ext>
             </a:extLst>
           </p:cNvPr>
@@ -1434,7 +1434,7 @@
           <p:cNvPr id="7" name="灯片编号占位符 6">
             <a:extLst>
               <a:ext uri="{FF2B5EF4-FFF2-40B4-BE49-F238E27FC236}">
-                <a16:creationId xmlns:a16="http://schemas.microsoft.com/office/drawing/2014/main" id="{7CF34E1F-A256-A1F9-EF0A-95741DA3379D}"/>
+                <a16:creationId xmlns:a16="http://schemas.microsoft.com/office/drawing/2014/main" id="{004EC2BC-F57D-60C3-73DF-86542E6FBFA5}"/>
               </a:ext>
             </a:extLst>
           </p:cNvPr>
@@ -1450,7 +1450,7 @@
           <a:bodyPr/>
           <a:lstStyle/>
           <a:p>
-            <a:fld id="{3E2FA6A1-84CD-4FAE-8804-426CF3E68238}" type="slidenum">
+            <a:fld id="{D4D3E24F-D339-432F-A425-C471C15F4932}" type="slidenum">
               <a:rPr lang="zh-CN" altLang="en-US" smtClean="0"/>
               <a:t>‹#›</a:t>
             </a:fld>
@@ -1461,7 +1461,7 @@
     </p:spTree>
     <p:extLst>
       <p:ext uri="{BB962C8B-B14F-4D97-AF65-F5344CB8AC3E}">
-        <p14:creationId xmlns:p14="http://schemas.microsoft.com/office/powerpoint/2010/main" val="1863686712"/>
+        <p14:creationId xmlns:p14="http://schemas.microsoft.com/office/powerpoint/2010/main" val="1263333674"/>
       </p:ext>
     </p:extLst>
   </p:cSld>
@@ -1493,7 +1493,7 @@
           <p:cNvPr id="2" name="标题 1">
             <a:extLst>
               <a:ext uri="{FF2B5EF4-FFF2-40B4-BE49-F238E27FC236}">
-                <a16:creationId xmlns:a16="http://schemas.microsoft.com/office/drawing/2014/main" id="{6B21E18C-DFE4-EC98-7D48-860511823322}"/>
+                <a16:creationId xmlns:a16="http://schemas.microsoft.com/office/drawing/2014/main" id="{F3BBD7DF-4DBB-E9F1-3F7B-BC921E59A828}"/>
               </a:ext>
             </a:extLst>
           </p:cNvPr>
@@ -1526,7 +1526,7 @@
           <p:cNvPr id="3" name="文本占位符 2">
             <a:extLst>
               <a:ext uri="{FF2B5EF4-FFF2-40B4-BE49-F238E27FC236}">
-                <a16:creationId xmlns:a16="http://schemas.microsoft.com/office/drawing/2014/main" id="{C9164CAC-820F-0569-68A8-84420C164E38}"/>
+                <a16:creationId xmlns:a16="http://schemas.microsoft.com/office/drawing/2014/main" id="{9425A117-624E-A373-1757-0C44C5D7A84B}"/>
               </a:ext>
             </a:extLst>
           </p:cNvPr>
@@ -1597,7 +1597,7 @@
           <p:cNvPr id="4" name="内容占位符 3">
             <a:extLst>
               <a:ext uri="{FF2B5EF4-FFF2-40B4-BE49-F238E27FC236}">
-                <a16:creationId xmlns:a16="http://schemas.microsoft.com/office/drawing/2014/main" id="{DE787C8A-502D-00E6-5EDE-A140B1BE76C8}"/>
+                <a16:creationId xmlns:a16="http://schemas.microsoft.com/office/drawing/2014/main" id="{3C6B2060-C6D5-06B6-72DB-B418A41ED8F6}"/>
               </a:ext>
             </a:extLst>
           </p:cNvPr>
@@ -1659,7 +1659,7 @@
           <p:cNvPr id="5" name="文本占位符 4">
             <a:extLst>
               <a:ext uri="{FF2B5EF4-FFF2-40B4-BE49-F238E27FC236}">
-                <a16:creationId xmlns:a16="http://schemas.microsoft.com/office/drawing/2014/main" id="{80A9F61B-1608-7F78-8490-9FBC39FCF324}"/>
+                <a16:creationId xmlns:a16="http://schemas.microsoft.com/office/drawing/2014/main" id="{3E51558E-D96B-8239-1E87-5FADD52B8C94}"/>
               </a:ext>
             </a:extLst>
           </p:cNvPr>
@@ -1730,7 +1730,7 @@
           <p:cNvPr id="6" name="内容占位符 5">
             <a:extLst>
               <a:ext uri="{FF2B5EF4-FFF2-40B4-BE49-F238E27FC236}">
-                <a16:creationId xmlns:a16="http://schemas.microsoft.com/office/drawing/2014/main" id="{47843794-41B8-96A7-CFCE-85412F50909D}"/>
+                <a16:creationId xmlns:a16="http://schemas.microsoft.com/office/drawing/2014/main" id="{9950C6A7-2A78-7C7A-98E3-712E5A972698}"/>
               </a:ext>
             </a:extLst>
           </p:cNvPr>
@@ -1792,7 +1792,7 @@
           <p:cNvPr id="7" name="日期占位符 6">
             <a:extLst>
               <a:ext uri="{FF2B5EF4-FFF2-40B4-BE49-F238E27FC236}">
-                <a16:creationId xmlns:a16="http://schemas.microsoft.com/office/drawing/2014/main" id="{F92D3F52-EC53-DAF7-4C31-4D47B89ADC64}"/>
+                <a16:creationId xmlns:a16="http://schemas.microsoft.com/office/drawing/2014/main" id="{40538669-B546-DF6D-B304-CFEE586778BB}"/>
               </a:ext>
             </a:extLst>
           </p:cNvPr>
@@ -1808,7 +1808,7 @@
           <a:bodyPr/>
           <a:lstStyle/>
           <a:p>
-            <a:fld id="{091381BC-5CFD-4B49-8C76-0705FB572A70}" type="datetimeFigureOut">
+            <a:fld id="{6E532152-A927-4500-94EC-78A1994B5A10}" type="datetimeFigureOut">
               <a:rPr lang="zh-CN" altLang="en-US" smtClean="0"/>
               <a:t>2024/3/10</a:t>
             </a:fld>
@@ -1821,7 +1821,7 @@
           <p:cNvPr id="8" name="页脚占位符 7">
             <a:extLst>
               <a:ext uri="{FF2B5EF4-FFF2-40B4-BE49-F238E27FC236}">
-                <a16:creationId xmlns:a16="http://schemas.microsoft.com/office/drawing/2014/main" id="{E94E4296-AD83-D619-C0F8-C6A1529327FC}"/>
+                <a16:creationId xmlns:a16="http://schemas.microsoft.com/office/drawing/2014/main" id="{E0115EEF-C49F-A665-C7B6-9A78F9A8E243}"/>
               </a:ext>
             </a:extLst>
           </p:cNvPr>
@@ -1846,7 +1846,7 @@
           <p:cNvPr id="9" name="灯片编号占位符 8">
             <a:extLst>
               <a:ext uri="{FF2B5EF4-FFF2-40B4-BE49-F238E27FC236}">
-                <a16:creationId xmlns:a16="http://schemas.microsoft.com/office/drawing/2014/main" id="{298771C3-419A-DE8E-913F-E76F5B24DB0E}"/>
+                <a16:creationId xmlns:a16="http://schemas.microsoft.com/office/drawing/2014/main" id="{3FC0BCC4-EA30-331B-C7B8-5AA89491AF6E}"/>
               </a:ext>
             </a:extLst>
           </p:cNvPr>
@@ -1862,7 +1862,7 @@
           <a:bodyPr/>
           <a:lstStyle/>
           <a:p>
-            <a:fld id="{3E2FA6A1-84CD-4FAE-8804-426CF3E68238}" type="slidenum">
+            <a:fld id="{D4D3E24F-D339-432F-A425-C471C15F4932}" type="slidenum">
               <a:rPr lang="zh-CN" altLang="en-US" smtClean="0"/>
               <a:t>‹#›</a:t>
             </a:fld>
@@ -1873,7 +1873,7 @@
     </p:spTree>
     <p:extLst>
       <p:ext uri="{BB962C8B-B14F-4D97-AF65-F5344CB8AC3E}">
-        <p14:creationId xmlns:p14="http://schemas.microsoft.com/office/powerpoint/2010/main" val="1415850265"/>
+        <p14:creationId xmlns:p14="http://schemas.microsoft.com/office/powerpoint/2010/main" val="3752764613"/>
       </p:ext>
     </p:extLst>
   </p:cSld>
@@ -1905,7 +1905,7 @@
           <p:cNvPr id="2" name="标题 1">
             <a:extLst>
               <a:ext uri="{FF2B5EF4-FFF2-40B4-BE49-F238E27FC236}">
-                <a16:creationId xmlns:a16="http://schemas.microsoft.com/office/drawing/2014/main" id="{B9DE4A39-1B53-AA49-AC26-412DFA4152D5}"/>
+                <a16:creationId xmlns:a16="http://schemas.microsoft.com/office/drawing/2014/main" id="{F566FA51-78E2-0BF2-F7D4-ECE04A01480D}"/>
               </a:ext>
             </a:extLst>
           </p:cNvPr>
@@ -1933,7 +1933,7 @@
           <p:cNvPr id="3" name="日期占位符 2">
             <a:extLst>
               <a:ext uri="{FF2B5EF4-FFF2-40B4-BE49-F238E27FC236}">
-                <a16:creationId xmlns:a16="http://schemas.microsoft.com/office/drawing/2014/main" id="{8D2D01FD-1BA4-1D8D-EE0B-5B08FC4146F3}"/>
+                <a16:creationId xmlns:a16="http://schemas.microsoft.com/office/drawing/2014/main" id="{9AB7B651-FEBE-65D0-6962-B34D01412221}"/>
               </a:ext>
             </a:extLst>
           </p:cNvPr>
@@ -1949,7 +1949,7 @@
           <a:bodyPr/>
           <a:lstStyle/>
           <a:p>
-            <a:fld id="{091381BC-5CFD-4B49-8C76-0705FB572A70}" type="datetimeFigureOut">
+            <a:fld id="{6E532152-A927-4500-94EC-78A1994B5A10}" type="datetimeFigureOut">
               <a:rPr lang="zh-CN" altLang="en-US" smtClean="0"/>
               <a:t>2024/3/10</a:t>
             </a:fld>
@@ -1962,7 +1962,7 @@
           <p:cNvPr id="4" name="页脚占位符 3">
             <a:extLst>
               <a:ext uri="{FF2B5EF4-FFF2-40B4-BE49-F238E27FC236}">
-                <a16:creationId xmlns:a16="http://schemas.microsoft.com/office/drawing/2014/main" id="{128B6D86-3B6E-D3D7-A321-1386E13D2948}"/>
+                <a16:creationId xmlns:a16="http://schemas.microsoft.com/office/drawing/2014/main" id="{9EB68837-BDD4-C02C-E1B8-7E5FAFDE96F2}"/>
               </a:ext>
             </a:extLst>
           </p:cNvPr>
@@ -1987,7 +1987,7 @@
           <p:cNvPr id="5" name="灯片编号占位符 4">
             <a:extLst>
               <a:ext uri="{FF2B5EF4-FFF2-40B4-BE49-F238E27FC236}">
-                <a16:creationId xmlns:a16="http://schemas.microsoft.com/office/drawing/2014/main" id="{9796DA2F-2CD9-670A-A27D-A9146074275B}"/>
+                <a16:creationId xmlns:a16="http://schemas.microsoft.com/office/drawing/2014/main" id="{A0CB29CD-BEAB-E372-A0CB-78A899CE1B77}"/>
               </a:ext>
             </a:extLst>
           </p:cNvPr>
@@ -2003,7 +2003,7 @@
           <a:bodyPr/>
           <a:lstStyle/>
           <a:p>
-            <a:fld id="{3E2FA6A1-84CD-4FAE-8804-426CF3E68238}" type="slidenum">
+            <a:fld id="{D4D3E24F-D339-432F-A425-C471C15F4932}" type="slidenum">
               <a:rPr lang="zh-CN" altLang="en-US" smtClean="0"/>
               <a:t>‹#›</a:t>
             </a:fld>
@@ -2014,7 +2014,7 @@
     </p:spTree>
     <p:extLst>
       <p:ext uri="{BB962C8B-B14F-4D97-AF65-F5344CB8AC3E}">
-        <p14:creationId xmlns:p14="http://schemas.microsoft.com/office/powerpoint/2010/main" val="3907330201"/>
+        <p14:creationId xmlns:p14="http://schemas.microsoft.com/office/powerpoint/2010/main" val="2191251740"/>
       </p:ext>
     </p:extLst>
   </p:cSld>
@@ -2046,7 +2046,7 @@
           <p:cNvPr id="2" name="日期占位符 1">
             <a:extLst>
               <a:ext uri="{FF2B5EF4-FFF2-40B4-BE49-F238E27FC236}">
-                <a16:creationId xmlns:a16="http://schemas.microsoft.com/office/drawing/2014/main" id="{D7A6618E-9D51-7ECA-9847-79127A389A99}"/>
+                <a16:creationId xmlns:a16="http://schemas.microsoft.com/office/drawing/2014/main" id="{6F56ABDE-EB6F-6C3C-6E73-6C0D7FA9FAD0}"/>
               </a:ext>
             </a:extLst>
           </p:cNvPr>
@@ -2062,7 +2062,7 @@
           <a:bodyPr/>
           <a:lstStyle/>
           <a:p>
-            <a:fld id="{091381BC-5CFD-4B49-8C76-0705FB572A70}" type="datetimeFigureOut">
+            <a:fld id="{6E532152-A927-4500-94EC-78A1994B5A10}" type="datetimeFigureOut">
               <a:rPr lang="zh-CN" altLang="en-US" smtClean="0"/>
               <a:t>2024/3/10</a:t>
             </a:fld>
@@ -2075,7 +2075,7 @@
           <p:cNvPr id="3" name="页脚占位符 2">
             <a:extLst>
               <a:ext uri="{FF2B5EF4-FFF2-40B4-BE49-F238E27FC236}">
-                <a16:creationId xmlns:a16="http://schemas.microsoft.com/office/drawing/2014/main" id="{851A179C-1E3C-29F3-A9AB-406E2B6899E2}"/>
+                <a16:creationId xmlns:a16="http://schemas.microsoft.com/office/drawing/2014/main" id="{5E2D9D70-DAB0-1E89-642B-085E6E3F0B2F}"/>
               </a:ext>
             </a:extLst>
           </p:cNvPr>
@@ -2100,7 +2100,7 @@
           <p:cNvPr id="4" name="灯片编号占位符 3">
             <a:extLst>
               <a:ext uri="{FF2B5EF4-FFF2-40B4-BE49-F238E27FC236}">
-                <a16:creationId xmlns:a16="http://schemas.microsoft.com/office/drawing/2014/main" id="{49ACB567-59AA-3709-D8EC-6C414E9669BB}"/>
+                <a16:creationId xmlns:a16="http://schemas.microsoft.com/office/drawing/2014/main" id="{856E2D53-CE16-B2BC-288F-20EA48A1B60F}"/>
               </a:ext>
             </a:extLst>
           </p:cNvPr>
@@ -2116,7 +2116,7 @@
           <a:bodyPr/>
           <a:lstStyle/>
           <a:p>
-            <a:fld id="{3E2FA6A1-84CD-4FAE-8804-426CF3E68238}" type="slidenum">
+            <a:fld id="{D4D3E24F-D339-432F-A425-C471C15F4932}" type="slidenum">
               <a:rPr lang="zh-CN" altLang="en-US" smtClean="0"/>
               <a:t>‹#›</a:t>
             </a:fld>
@@ -2127,7 +2127,7 @@
     </p:spTree>
     <p:extLst>
       <p:ext uri="{BB962C8B-B14F-4D97-AF65-F5344CB8AC3E}">
-        <p14:creationId xmlns:p14="http://schemas.microsoft.com/office/powerpoint/2010/main" val="256623479"/>
+        <p14:creationId xmlns:p14="http://schemas.microsoft.com/office/powerpoint/2010/main" val="1968250081"/>
       </p:ext>
     </p:extLst>
   </p:cSld>
@@ -2159,7 +2159,7 @@
           <p:cNvPr id="2" name="标题 1">
             <a:extLst>
               <a:ext uri="{FF2B5EF4-FFF2-40B4-BE49-F238E27FC236}">
-                <a16:creationId xmlns:a16="http://schemas.microsoft.com/office/drawing/2014/main" id="{A054D311-4BC4-D148-EE49-413D733D5EE4}"/>
+                <a16:creationId xmlns:a16="http://schemas.microsoft.com/office/drawing/2014/main" id="{E3F454A3-0194-5ACA-EF04-1C52F0046A56}"/>
               </a:ext>
             </a:extLst>
           </p:cNvPr>
@@ -2196,7 +2196,7 @@
           <p:cNvPr id="3" name="内容占位符 2">
             <a:extLst>
               <a:ext uri="{FF2B5EF4-FFF2-40B4-BE49-F238E27FC236}">
-                <a16:creationId xmlns:a16="http://schemas.microsoft.com/office/drawing/2014/main" id="{241860FD-98E3-6C16-1A7A-AB14B0F7B266}"/>
+                <a16:creationId xmlns:a16="http://schemas.microsoft.com/office/drawing/2014/main" id="{5A706125-62FD-B8FE-F35A-AEA1842B6AB8}"/>
               </a:ext>
             </a:extLst>
           </p:cNvPr>
@@ -2286,7 +2286,7 @@
           <p:cNvPr id="4" name="文本占位符 3">
             <a:extLst>
               <a:ext uri="{FF2B5EF4-FFF2-40B4-BE49-F238E27FC236}">
-                <a16:creationId xmlns:a16="http://schemas.microsoft.com/office/drawing/2014/main" id="{A7AB01AA-AE7F-D1BD-938F-83C3849802E5}"/>
+                <a16:creationId xmlns:a16="http://schemas.microsoft.com/office/drawing/2014/main" id="{99586572-BA8F-E0CB-13E6-C11630F60F23}"/>
               </a:ext>
             </a:extLst>
           </p:cNvPr>
@@ -2357,7 +2357,7 @@
           <p:cNvPr id="5" name="日期占位符 4">
             <a:extLst>
               <a:ext uri="{FF2B5EF4-FFF2-40B4-BE49-F238E27FC236}">
-                <a16:creationId xmlns:a16="http://schemas.microsoft.com/office/drawing/2014/main" id="{9B926B06-0212-62C9-6AE6-62AB68AF55A7}"/>
+                <a16:creationId xmlns:a16="http://schemas.microsoft.com/office/drawing/2014/main" id="{47364C08-EB10-CBEB-293E-EE0D981F035A}"/>
               </a:ext>
             </a:extLst>
           </p:cNvPr>
@@ -2373,7 +2373,7 @@
           <a:bodyPr/>
           <a:lstStyle/>
           <a:p>
-            <a:fld id="{091381BC-5CFD-4B49-8C76-0705FB572A70}" type="datetimeFigureOut">
+            <a:fld id="{6E532152-A927-4500-94EC-78A1994B5A10}" type="datetimeFigureOut">
               <a:rPr lang="zh-CN" altLang="en-US" smtClean="0"/>
               <a:t>2024/3/10</a:t>
             </a:fld>
@@ -2386,7 +2386,7 @@
           <p:cNvPr id="6" name="页脚占位符 5">
             <a:extLst>
               <a:ext uri="{FF2B5EF4-FFF2-40B4-BE49-F238E27FC236}">
-                <a16:creationId xmlns:a16="http://schemas.microsoft.com/office/drawing/2014/main" id="{9D2C699A-E8CF-523E-6D93-3DDFC43EDD58}"/>
+                <a16:creationId xmlns:a16="http://schemas.microsoft.com/office/drawing/2014/main" id="{7AE44BE8-C818-9411-0270-BB6D20AD2A6D}"/>
               </a:ext>
             </a:extLst>
           </p:cNvPr>
@@ -2411,7 +2411,7 @@
           <p:cNvPr id="7" name="灯片编号占位符 6">
             <a:extLst>
               <a:ext uri="{FF2B5EF4-FFF2-40B4-BE49-F238E27FC236}">
-                <a16:creationId xmlns:a16="http://schemas.microsoft.com/office/drawing/2014/main" id="{3484DD65-B0BB-9C7B-D6FD-7DE4D512C0A1}"/>
+                <a16:creationId xmlns:a16="http://schemas.microsoft.com/office/drawing/2014/main" id="{3B5741CC-83ED-8B6D-5615-3C22FC5B5057}"/>
               </a:ext>
             </a:extLst>
           </p:cNvPr>
@@ -2427,7 +2427,7 @@
           <a:bodyPr/>
           <a:lstStyle/>
           <a:p>
-            <a:fld id="{3E2FA6A1-84CD-4FAE-8804-426CF3E68238}" type="slidenum">
+            <a:fld id="{D4D3E24F-D339-432F-A425-C471C15F4932}" type="slidenum">
               <a:rPr lang="zh-CN" altLang="en-US" smtClean="0"/>
               <a:t>‹#›</a:t>
             </a:fld>
@@ -2438,7 +2438,7 @@
     </p:spTree>
     <p:extLst>
       <p:ext uri="{BB962C8B-B14F-4D97-AF65-F5344CB8AC3E}">
-        <p14:creationId xmlns:p14="http://schemas.microsoft.com/office/powerpoint/2010/main" val="3712360421"/>
+        <p14:creationId xmlns:p14="http://schemas.microsoft.com/office/powerpoint/2010/main" val="2624629288"/>
       </p:ext>
     </p:extLst>
   </p:cSld>
@@ -2470,7 +2470,7 @@
           <p:cNvPr id="2" name="标题 1">
             <a:extLst>
               <a:ext uri="{FF2B5EF4-FFF2-40B4-BE49-F238E27FC236}">
-                <a16:creationId xmlns:a16="http://schemas.microsoft.com/office/drawing/2014/main" id="{D8D5A709-5362-C282-E08E-838CF08A31FA}"/>
+                <a16:creationId xmlns:a16="http://schemas.microsoft.com/office/drawing/2014/main" id="{7B52C445-79D8-01A2-6627-0EFB3B7593F2}"/>
               </a:ext>
             </a:extLst>
           </p:cNvPr>
@@ -2507,7 +2507,7 @@
           <p:cNvPr id="3" name="图片占位符 2">
             <a:extLst>
               <a:ext uri="{FF2B5EF4-FFF2-40B4-BE49-F238E27FC236}">
-                <a16:creationId xmlns:a16="http://schemas.microsoft.com/office/drawing/2014/main" id="{6E833888-12FF-55D9-712A-ACE44CACA7E5}"/>
+                <a16:creationId xmlns:a16="http://schemas.microsoft.com/office/drawing/2014/main" id="{6ADB3EC4-66ED-9848-02E7-3C11EC1078DF}"/>
               </a:ext>
             </a:extLst>
           </p:cNvPr>
@@ -2574,7 +2574,7 @@
           <p:cNvPr id="4" name="文本占位符 3">
             <a:extLst>
               <a:ext uri="{FF2B5EF4-FFF2-40B4-BE49-F238E27FC236}">
-                <a16:creationId xmlns:a16="http://schemas.microsoft.com/office/drawing/2014/main" id="{701BDA1A-6DAE-56AE-23E8-30142365621C}"/>
+                <a16:creationId xmlns:a16="http://schemas.microsoft.com/office/drawing/2014/main" id="{E8AB67F4-E9B5-7BB6-EDDA-6250580DB14E}"/>
               </a:ext>
             </a:extLst>
           </p:cNvPr>
@@ -2645,7 +2645,7 @@
           <p:cNvPr id="5" name="日期占位符 4">
             <a:extLst>
               <a:ext uri="{FF2B5EF4-FFF2-40B4-BE49-F238E27FC236}">
-                <a16:creationId xmlns:a16="http://schemas.microsoft.com/office/drawing/2014/main" id="{CC14D6B6-C4B7-6442-011F-0958E1F94624}"/>
+                <a16:creationId xmlns:a16="http://schemas.microsoft.com/office/drawing/2014/main" id="{10982D80-C00B-F6F5-5119-089466CB8651}"/>
               </a:ext>
             </a:extLst>
           </p:cNvPr>
@@ -2661,7 +2661,7 @@
           <a:bodyPr/>
           <a:lstStyle/>
           <a:p>
-            <a:fld id="{091381BC-5CFD-4B49-8C76-0705FB572A70}" type="datetimeFigureOut">
+            <a:fld id="{6E532152-A927-4500-94EC-78A1994B5A10}" type="datetimeFigureOut">
               <a:rPr lang="zh-CN" altLang="en-US" smtClean="0"/>
               <a:t>2024/3/10</a:t>
             </a:fld>
@@ -2674,7 +2674,7 @@
           <p:cNvPr id="6" name="页脚占位符 5">
             <a:extLst>
               <a:ext uri="{FF2B5EF4-FFF2-40B4-BE49-F238E27FC236}">
-                <a16:creationId xmlns:a16="http://schemas.microsoft.com/office/drawing/2014/main" id="{8C33B558-ADC9-E92C-B3E4-34E18C032B75}"/>
+                <a16:creationId xmlns:a16="http://schemas.microsoft.com/office/drawing/2014/main" id="{DF9D5F68-9425-203F-8DD9-BA455B8388E8}"/>
               </a:ext>
             </a:extLst>
           </p:cNvPr>
@@ -2699,7 +2699,7 @@
           <p:cNvPr id="7" name="灯片编号占位符 6">
             <a:extLst>
               <a:ext uri="{FF2B5EF4-FFF2-40B4-BE49-F238E27FC236}">
-                <a16:creationId xmlns:a16="http://schemas.microsoft.com/office/drawing/2014/main" id="{D7CFAF3E-6DBF-45A3-3A4A-1C14FB8BE4DD}"/>
+                <a16:creationId xmlns:a16="http://schemas.microsoft.com/office/drawing/2014/main" id="{A4F38946-1BD0-5810-849E-6B4C27FB890F}"/>
               </a:ext>
             </a:extLst>
           </p:cNvPr>
@@ -2715,7 +2715,7 @@
           <a:bodyPr/>
           <a:lstStyle/>
           <a:p>
-            <a:fld id="{3E2FA6A1-84CD-4FAE-8804-426CF3E68238}" type="slidenum">
+            <a:fld id="{D4D3E24F-D339-432F-A425-C471C15F4932}" type="slidenum">
               <a:rPr lang="zh-CN" altLang="en-US" smtClean="0"/>
               <a:t>‹#›</a:t>
             </a:fld>
@@ -2726,7 +2726,7 @@
     </p:spTree>
     <p:extLst>
       <p:ext uri="{BB962C8B-B14F-4D97-AF65-F5344CB8AC3E}">
-        <p14:creationId xmlns:p14="http://schemas.microsoft.com/office/powerpoint/2010/main" val="3202225369"/>
+        <p14:creationId xmlns:p14="http://schemas.microsoft.com/office/powerpoint/2010/main" val="3497549623"/>
       </p:ext>
     </p:extLst>
   </p:cSld>
@@ -2763,7 +2763,7 @@
           <p:cNvPr id="2" name="标题占位符 1">
             <a:extLst>
               <a:ext uri="{FF2B5EF4-FFF2-40B4-BE49-F238E27FC236}">
-                <a16:creationId xmlns:a16="http://schemas.microsoft.com/office/drawing/2014/main" id="{9C142BDA-F68C-ECFF-50F9-4858FBC9C91B}"/>
+                <a16:creationId xmlns:a16="http://schemas.microsoft.com/office/drawing/2014/main" id="{01945AE4-ABBE-A1DF-65B7-969155898625}"/>
               </a:ext>
             </a:extLst>
           </p:cNvPr>
@@ -2801,7 +2801,7 @@
           <p:cNvPr id="3" name="文本占位符 2">
             <a:extLst>
               <a:ext uri="{FF2B5EF4-FFF2-40B4-BE49-F238E27FC236}">
-                <a16:creationId xmlns:a16="http://schemas.microsoft.com/office/drawing/2014/main" id="{01AB7DD4-F90B-46A6-6E21-371E6CE1F2ED}"/>
+                <a16:creationId xmlns:a16="http://schemas.microsoft.com/office/drawing/2014/main" id="{66651EFE-9611-1E60-90C0-B72C70AFEDCE}"/>
               </a:ext>
             </a:extLst>
           </p:cNvPr>
@@ -2868,7 +2868,7 @@
           <p:cNvPr id="4" name="日期占位符 3">
             <a:extLst>
               <a:ext uri="{FF2B5EF4-FFF2-40B4-BE49-F238E27FC236}">
-                <a16:creationId xmlns:a16="http://schemas.microsoft.com/office/drawing/2014/main" id="{BB62B0A1-44D1-DA94-9BAC-15B44700F368}"/>
+                <a16:creationId xmlns:a16="http://schemas.microsoft.com/office/drawing/2014/main" id="{30469928-7CBC-C069-2B74-29EDC9C869FD}"/>
               </a:ext>
             </a:extLst>
           </p:cNvPr>
@@ -2902,7 +2902,7 @@
             </a:lvl1pPr>
           </a:lstStyle>
           <a:p>
-            <a:fld id="{091381BC-5CFD-4B49-8C76-0705FB572A70}" type="datetimeFigureOut">
+            <a:fld id="{6E532152-A927-4500-94EC-78A1994B5A10}" type="datetimeFigureOut">
               <a:rPr lang="zh-CN" altLang="en-US" smtClean="0"/>
               <a:t>2024/3/10</a:t>
             </a:fld>
@@ -2915,7 +2915,7 @@
           <p:cNvPr id="5" name="页脚占位符 4">
             <a:extLst>
               <a:ext uri="{FF2B5EF4-FFF2-40B4-BE49-F238E27FC236}">
-                <a16:creationId xmlns:a16="http://schemas.microsoft.com/office/drawing/2014/main" id="{5A98E794-AE6D-3493-7613-036A55B4F431}"/>
+                <a16:creationId xmlns:a16="http://schemas.microsoft.com/office/drawing/2014/main" id="{13863D9B-2845-DE19-4A52-4AB29DCA09A8}"/>
               </a:ext>
             </a:extLst>
           </p:cNvPr>
@@ -2958,7 +2958,7 @@
           <p:cNvPr id="6" name="灯片编号占位符 5">
             <a:extLst>
               <a:ext uri="{FF2B5EF4-FFF2-40B4-BE49-F238E27FC236}">
-                <a16:creationId xmlns:a16="http://schemas.microsoft.com/office/drawing/2014/main" id="{2A1F7819-8EF6-B1D7-EB7F-A869A61426C9}"/>
+                <a16:creationId xmlns:a16="http://schemas.microsoft.com/office/drawing/2014/main" id="{4E6C5D89-AFBE-6034-B52B-548E6ACFB549}"/>
               </a:ext>
             </a:extLst>
           </p:cNvPr>
@@ -2992,7 +2992,7 @@
             </a:lvl1pPr>
           </a:lstStyle>
           <a:p>
-            <a:fld id="{3E2FA6A1-84CD-4FAE-8804-426CF3E68238}" type="slidenum">
+            <a:fld id="{D4D3E24F-D339-432F-A425-C471C15F4932}" type="slidenum">
               <a:rPr lang="zh-CN" altLang="en-US" smtClean="0"/>
               <a:t>‹#›</a:t>
             </a:fld>
@@ -3003,7 +3003,7 @@
     </p:spTree>
     <p:extLst>
       <p:ext uri="{BB962C8B-B14F-4D97-AF65-F5344CB8AC3E}">
-        <p14:creationId xmlns:p14="http://schemas.microsoft.com/office/powerpoint/2010/main" val="861782929"/>
+        <p14:creationId xmlns:p14="http://schemas.microsoft.com/office/powerpoint/2010/main" val="2257391332"/>
       </p:ext>
     </p:extLst>
   </p:cSld>
@@ -3323,7 +3323,7 @@
       </p:grpSpPr>
       <p:pic>
         <p:nvPicPr>
-          <p:cNvPr id="770050" name="Picture 2" descr="751"/>
+          <p:cNvPr id="772098" name="Picture 2" descr="753"/>
           <p:cNvPicPr>
             <a:picLocks noChangeAspect="1" noChangeArrowheads="1"/>
           </p:cNvPicPr>
